--- a/Szakdolgozat_mérések_grafikonok.pptx
+++ b/Szakdolgozat_mérések_grafikonok.pptx
@@ -4320,6 +4320,166 @@
               <a:rPr lang="hu-HU" dirty="0"/>
               <a:t>Mozgás jobbra</a:t>
             </a:r>
+          </a:p>
+        </p:txBody>
+      </p:sp>
+      <p:sp>
+        <p:nvSpPr>
+          <p:cNvPr id="10" name="Téglalap 9">
+            <a:extLst>
+              <a:ext uri="{FF2B5EF4-FFF2-40B4-BE49-F238E27FC236}">
+                <a16:creationId xmlns:a16="http://schemas.microsoft.com/office/drawing/2014/main" id="{BABFAB7C-DC39-A5A9-2DB0-7E03EB96DCBE}"/>
+              </a:ext>
+            </a:extLst>
+          </p:cNvPr>
+          <p:cNvSpPr/>
+          <p:nvPr/>
+        </p:nvSpPr>
+        <p:spPr>
+          <a:xfrm>
+            <a:off x="2751973" y="5770309"/>
+            <a:ext cx="2256252" cy="551753"/>
+          </a:xfrm>
+          <a:prstGeom prst="rect">
+            <a:avLst/>
+          </a:prstGeom>
+          <a:ln>
+            <a:noFill/>
+          </a:ln>
+          <a:scene3d>
+            <a:camera prst="orthographicFront"/>
+            <a:lightRig rig="threePt" dir="t"/>
+          </a:scene3d>
+          <a:sp3d>
+            <a:bevelT/>
+          </a:sp3d>
+        </p:spPr>
+        <p:style>
+          <a:lnRef idx="2">
+            <a:schemeClr val="accent2">
+              <a:shade val="15000"/>
+            </a:schemeClr>
+          </a:lnRef>
+          <a:fillRef idx="1">
+            <a:schemeClr val="accent2"/>
+          </a:fillRef>
+          <a:effectRef idx="0">
+            <a:schemeClr val="accent2"/>
+          </a:effectRef>
+          <a:fontRef idx="minor">
+            <a:schemeClr val="lt1"/>
+          </a:fontRef>
+        </p:style>
+        <p:txBody>
+          <a:bodyPr rtlCol="0" anchor="ctr"/>
+          <a:lstStyle/>
+          <a:p>
+            <a:pPr algn="ctr"/>
+            <a:r>
+              <a:rPr lang="hu-HU" sz="4000" dirty="0"/>
+              <a:t>T</a:t>
+            </a:r>
+          </a:p>
+        </p:txBody>
+      </p:sp>
+      <p:sp>
+        <p:nvSpPr>
+          <p:cNvPr id="16" name="Szövegdoboz 15">
+            <a:extLst>
+              <a:ext uri="{FF2B5EF4-FFF2-40B4-BE49-F238E27FC236}">
+                <a16:creationId xmlns:a16="http://schemas.microsoft.com/office/drawing/2014/main" id="{2E6437E4-7810-7E95-D308-03F476A2D9DE}"/>
+              </a:ext>
+            </a:extLst>
+          </p:cNvPr>
+          <p:cNvSpPr txBox="1"/>
+          <p:nvPr/>
+        </p:nvSpPr>
+        <p:spPr>
+          <a:xfrm>
+            <a:off x="7227308" y="5861519"/>
+            <a:ext cx="2256253" cy="369332"/>
+          </a:xfrm>
+          <a:prstGeom prst="rect">
+            <a:avLst/>
+          </a:prstGeom>
+          <a:noFill/>
+        </p:spPr>
+        <p:txBody>
+          <a:bodyPr wrap="square" rtlCol="0">
+            <a:spAutoFit/>
+          </a:bodyPr>
+          <a:lstStyle/>
+          <a:p>
+            <a:pPr algn="ctr"/>
+            <a:r>
+              <a:rPr lang="hu-HU" dirty="0" err="1"/>
+              <a:t>Grappling</a:t>
+            </a:r>
+            <a:r>
+              <a:rPr lang="hu-HU" dirty="0"/>
+              <a:t> </a:t>
+            </a:r>
+            <a:r>
+              <a:rPr lang="hu-HU" dirty="0" err="1"/>
+              <a:t>Hook</a:t>
+            </a:r>
+            <a:endParaRPr lang="hu-HU" dirty="0"/>
+          </a:p>
+        </p:txBody>
+      </p:sp>
+      <p:sp>
+        <p:nvSpPr>
+          <p:cNvPr id="22" name="Nyíl: jobbra mutató 21">
+            <a:extLst>
+              <a:ext uri="{FF2B5EF4-FFF2-40B4-BE49-F238E27FC236}">
+                <a16:creationId xmlns:a16="http://schemas.microsoft.com/office/drawing/2014/main" id="{D4410679-B05A-B71F-8A6C-8D7920C29A32}"/>
+              </a:ext>
+            </a:extLst>
+          </p:cNvPr>
+          <p:cNvSpPr/>
+          <p:nvPr/>
+        </p:nvSpPr>
+        <p:spPr>
+          <a:xfrm>
+            <a:off x="5746458" y="5907767"/>
+            <a:ext cx="1535186" cy="276836"/>
+          </a:xfrm>
+          <a:prstGeom prst="rightArrow">
+            <a:avLst/>
+          </a:prstGeom>
+          <a:ln>
+            <a:noFill/>
+          </a:ln>
+          <a:scene3d>
+            <a:camera prst="orthographicFront"/>
+            <a:lightRig rig="threePt" dir="t"/>
+          </a:scene3d>
+          <a:sp3d>
+            <a:bevelT/>
+          </a:sp3d>
+        </p:spPr>
+        <p:style>
+          <a:lnRef idx="2">
+            <a:schemeClr val="accent2">
+              <a:shade val="15000"/>
+            </a:schemeClr>
+          </a:lnRef>
+          <a:fillRef idx="1">
+            <a:schemeClr val="accent2"/>
+          </a:fillRef>
+          <a:effectRef idx="0">
+            <a:schemeClr val="accent2"/>
+          </a:effectRef>
+          <a:fontRef idx="minor">
+            <a:schemeClr val="lt1"/>
+          </a:fontRef>
+        </p:style>
+        <p:txBody>
+          <a:bodyPr rtlCol="0" anchor="ctr"/>
+          <a:lstStyle/>
+          <a:p>
+            <a:pPr algn="ctr"/>
+            <a:endParaRPr lang="hu-HU"/>
           </a:p>
         </p:txBody>
       </p:sp>

--- a/Szakdolgozat_mérések_grafikonok.pptx
+++ b/Szakdolgozat_mérések_grafikonok.pptx
@@ -269,7 +269,7 @@
           <a:p>
             <a:fld id="{1F8C1100-8812-48D8-A2B7-87F601DB514B}" type="datetimeFigureOut">
               <a:rPr lang="hu-HU" smtClean="0"/>
-              <a:t>2024. 04. 30.</a:t>
+              <a:t>2024. 05. 07.</a:t>
             </a:fld>
             <a:endParaRPr lang="hu-HU"/>
           </a:p>
@@ -467,7 +467,7 @@
           <a:p>
             <a:fld id="{1F8C1100-8812-48D8-A2B7-87F601DB514B}" type="datetimeFigureOut">
               <a:rPr lang="hu-HU" smtClean="0"/>
-              <a:t>2024. 04. 30.</a:t>
+              <a:t>2024. 05. 07.</a:t>
             </a:fld>
             <a:endParaRPr lang="hu-HU"/>
           </a:p>
@@ -675,7 +675,7 @@
           <a:p>
             <a:fld id="{1F8C1100-8812-48D8-A2B7-87F601DB514B}" type="datetimeFigureOut">
               <a:rPr lang="hu-HU" smtClean="0"/>
-              <a:t>2024. 04. 30.</a:t>
+              <a:t>2024. 05. 07.</a:t>
             </a:fld>
             <a:endParaRPr lang="hu-HU"/>
           </a:p>
@@ -873,7 +873,7 @@
           <a:p>
             <a:fld id="{1F8C1100-8812-48D8-A2B7-87F601DB514B}" type="datetimeFigureOut">
               <a:rPr lang="hu-HU" smtClean="0"/>
-              <a:t>2024. 04. 30.</a:t>
+              <a:t>2024. 05. 07.</a:t>
             </a:fld>
             <a:endParaRPr lang="hu-HU"/>
           </a:p>
@@ -1148,7 +1148,7 @@
           <a:p>
             <a:fld id="{1F8C1100-8812-48D8-A2B7-87F601DB514B}" type="datetimeFigureOut">
               <a:rPr lang="hu-HU" smtClean="0"/>
-              <a:t>2024. 04. 30.</a:t>
+              <a:t>2024. 05. 07.</a:t>
             </a:fld>
             <a:endParaRPr lang="hu-HU"/>
           </a:p>
@@ -1413,7 +1413,7 @@
           <a:p>
             <a:fld id="{1F8C1100-8812-48D8-A2B7-87F601DB514B}" type="datetimeFigureOut">
               <a:rPr lang="hu-HU" smtClean="0"/>
-              <a:t>2024. 04. 30.</a:t>
+              <a:t>2024. 05. 07.</a:t>
             </a:fld>
             <a:endParaRPr lang="hu-HU"/>
           </a:p>
@@ -1825,7 +1825,7 @@
           <a:p>
             <a:fld id="{1F8C1100-8812-48D8-A2B7-87F601DB514B}" type="datetimeFigureOut">
               <a:rPr lang="hu-HU" smtClean="0"/>
-              <a:t>2024. 04. 30.</a:t>
+              <a:t>2024. 05. 07.</a:t>
             </a:fld>
             <a:endParaRPr lang="hu-HU"/>
           </a:p>
@@ -1966,7 +1966,7 @@
           <a:p>
             <a:fld id="{1F8C1100-8812-48D8-A2B7-87F601DB514B}" type="datetimeFigureOut">
               <a:rPr lang="hu-HU" smtClean="0"/>
-              <a:t>2024. 04. 30.</a:t>
+              <a:t>2024. 05. 07.</a:t>
             </a:fld>
             <a:endParaRPr lang="hu-HU"/>
           </a:p>
@@ -2079,7 +2079,7 @@
           <a:p>
             <a:fld id="{1F8C1100-8812-48D8-A2B7-87F601DB514B}" type="datetimeFigureOut">
               <a:rPr lang="hu-HU" smtClean="0"/>
-              <a:t>2024. 04. 30.</a:t>
+              <a:t>2024. 05. 07.</a:t>
             </a:fld>
             <a:endParaRPr lang="hu-HU"/>
           </a:p>
@@ -2390,7 +2390,7 @@
           <a:p>
             <a:fld id="{1F8C1100-8812-48D8-A2B7-87F601DB514B}" type="datetimeFigureOut">
               <a:rPr lang="hu-HU" smtClean="0"/>
-              <a:t>2024. 04. 30.</a:t>
+              <a:t>2024. 05. 07.</a:t>
             </a:fld>
             <a:endParaRPr lang="hu-HU"/>
           </a:p>
@@ -2678,7 +2678,7 @@
           <a:p>
             <a:fld id="{1F8C1100-8812-48D8-A2B7-87F601DB514B}" type="datetimeFigureOut">
               <a:rPr lang="hu-HU" smtClean="0"/>
-              <a:t>2024. 04. 30.</a:t>
+              <a:t>2024. 05. 07.</a:t>
             </a:fld>
             <a:endParaRPr lang="hu-HU"/>
           </a:p>
@@ -2919,7 +2919,7 @@
           <a:p>
             <a:fld id="{1F8C1100-8812-48D8-A2B7-87F601DB514B}" type="datetimeFigureOut">
               <a:rPr lang="hu-HU" smtClean="0"/>
-              <a:t>2024. 04. 30.</a:t>
+              <a:t>2024. 05. 07.</a:t>
             </a:fld>
             <a:endParaRPr lang="hu-HU"/>
           </a:p>
@@ -6090,13 +6090,15 @@
               </a:ext>
             </a:extLst>
           </p:cNvPr>
-          <p:cNvCxnSpPr/>
+          <p:cNvCxnSpPr>
+            <a:cxnSpLocks/>
+          </p:cNvCxnSpPr>
           <p:nvPr/>
         </p:nvCxnSpPr>
         <p:spPr>
           <a:xfrm flipV="1">
-            <a:off x="2147582" y="486561"/>
-            <a:ext cx="0" cy="5276676"/>
+            <a:off x="2147582" y="1442906"/>
+            <a:ext cx="0" cy="4320331"/>
           </a:xfrm>
           <a:prstGeom prst="straightConnector1">
             <a:avLst/>
@@ -6129,13 +6131,15 @@
               </a:ext>
             </a:extLst>
           </p:cNvPr>
-          <p:cNvCxnSpPr/>
+          <p:cNvCxnSpPr>
+            <a:cxnSpLocks/>
+          </p:cNvCxnSpPr>
           <p:nvPr/>
         </p:nvCxnSpPr>
         <p:spPr>
-          <a:xfrm>
-            <a:off x="1635853" y="5301842"/>
-            <a:ext cx="9001387" cy="0"/>
+          <a:xfrm flipV="1">
+            <a:off x="1635853" y="5301664"/>
+            <a:ext cx="6660859" cy="178"/>
           </a:xfrm>
           <a:prstGeom prst="straightConnector1">
             <a:avLst/>
@@ -6173,7 +6177,7 @@
         </p:nvSpPr>
         <p:spPr>
           <a:xfrm>
-            <a:off x="947956" y="486561"/>
+            <a:off x="864066" y="1442906"/>
             <a:ext cx="1199626" cy="369332"/>
           </a:xfrm>
           <a:prstGeom prst="rect">
@@ -6208,7 +6212,7 @@
         </p:nvSpPr>
         <p:spPr>
           <a:xfrm>
-            <a:off x="10238064" y="5301842"/>
+            <a:off x="7721978" y="5301664"/>
             <a:ext cx="636165" cy="369332"/>
           </a:xfrm>
           <a:prstGeom prst="rect">
@@ -6231,1179 +6235,6 @@
       </p:sp>
       <p:sp>
         <p:nvSpPr>
-          <p:cNvPr id="11" name="Szabadkézi sokszög: alakzat 10">
-            <a:extLst>
-              <a:ext uri="{FF2B5EF4-FFF2-40B4-BE49-F238E27FC236}">
-                <a16:creationId xmlns:a16="http://schemas.microsoft.com/office/drawing/2014/main" id="{50EBC2EB-81BC-362B-7615-93B93816DC6B}"/>
-              </a:ext>
-            </a:extLst>
-          </p:cNvPr>
-          <p:cNvSpPr/>
-          <p:nvPr/>
-        </p:nvSpPr>
-        <p:spPr>
-          <a:xfrm>
-            <a:off x="3733101" y="2558465"/>
-            <a:ext cx="1862356" cy="2726599"/>
-          </a:xfrm>
-          <a:custGeom>
-            <a:avLst/>
-            <a:gdLst>
-              <a:gd name="connsiteX0" fmla="*/ 8389 w 1862356"/>
-              <a:gd name="connsiteY0" fmla="*/ 2726599 h 2726599"/>
-              <a:gd name="connsiteX1" fmla="*/ 0 w 1862356"/>
-              <a:gd name="connsiteY1" fmla="*/ 2684654 h 2726599"/>
-              <a:gd name="connsiteX2" fmla="*/ 16778 w 1862356"/>
-              <a:gd name="connsiteY2" fmla="*/ 2533652 h 2726599"/>
-              <a:gd name="connsiteX3" fmla="*/ 33556 w 1862356"/>
-              <a:gd name="connsiteY3" fmla="*/ 2474929 h 2726599"/>
-              <a:gd name="connsiteX4" fmla="*/ 41945 w 1862356"/>
-              <a:gd name="connsiteY4" fmla="*/ 2391040 h 2726599"/>
-              <a:gd name="connsiteX5" fmla="*/ 58723 w 1862356"/>
-              <a:gd name="connsiteY5" fmla="*/ 2340706 h 2726599"/>
-              <a:gd name="connsiteX6" fmla="*/ 83890 w 1862356"/>
-              <a:gd name="connsiteY6" fmla="*/ 2231649 h 2726599"/>
-              <a:gd name="connsiteX7" fmla="*/ 92279 w 1862356"/>
-              <a:gd name="connsiteY7" fmla="*/ 2198093 h 2726599"/>
-              <a:gd name="connsiteX8" fmla="*/ 100668 w 1862356"/>
-              <a:gd name="connsiteY8" fmla="*/ 2147759 h 2726599"/>
-              <a:gd name="connsiteX9" fmla="*/ 109057 w 1862356"/>
-              <a:gd name="connsiteY9" fmla="*/ 2105814 h 2726599"/>
-              <a:gd name="connsiteX10" fmla="*/ 117446 w 1862356"/>
-              <a:gd name="connsiteY10" fmla="*/ 2047091 h 2726599"/>
-              <a:gd name="connsiteX11" fmla="*/ 134224 w 1862356"/>
-              <a:gd name="connsiteY11" fmla="*/ 1996757 h 2726599"/>
-              <a:gd name="connsiteX12" fmla="*/ 151002 w 1862356"/>
-              <a:gd name="connsiteY12" fmla="*/ 1929645 h 2726599"/>
-              <a:gd name="connsiteX13" fmla="*/ 176169 w 1862356"/>
-              <a:gd name="connsiteY13" fmla="*/ 1854144 h 2726599"/>
-              <a:gd name="connsiteX14" fmla="*/ 192947 w 1862356"/>
-              <a:gd name="connsiteY14" fmla="*/ 1778643 h 2726599"/>
-              <a:gd name="connsiteX15" fmla="*/ 226503 w 1862356"/>
-              <a:gd name="connsiteY15" fmla="*/ 1669586 h 2726599"/>
-              <a:gd name="connsiteX16" fmla="*/ 243281 w 1862356"/>
-              <a:gd name="connsiteY16" fmla="*/ 1610863 h 2726599"/>
-              <a:gd name="connsiteX17" fmla="*/ 276837 w 1862356"/>
-              <a:gd name="connsiteY17" fmla="*/ 1543752 h 2726599"/>
-              <a:gd name="connsiteX18" fmla="*/ 327171 w 1862356"/>
-              <a:gd name="connsiteY18" fmla="*/ 1375972 h 2726599"/>
-              <a:gd name="connsiteX19" fmla="*/ 352338 w 1862356"/>
-              <a:gd name="connsiteY19" fmla="*/ 1300471 h 2726599"/>
-              <a:gd name="connsiteX20" fmla="*/ 377505 w 1862356"/>
-              <a:gd name="connsiteY20" fmla="*/ 1233359 h 2726599"/>
-              <a:gd name="connsiteX21" fmla="*/ 394282 w 1862356"/>
-              <a:gd name="connsiteY21" fmla="*/ 1157858 h 2726599"/>
-              <a:gd name="connsiteX22" fmla="*/ 419449 w 1862356"/>
-              <a:gd name="connsiteY22" fmla="*/ 1090746 h 2726599"/>
-              <a:gd name="connsiteX23" fmla="*/ 461394 w 1862356"/>
-              <a:gd name="connsiteY23" fmla="*/ 981689 h 2726599"/>
-              <a:gd name="connsiteX24" fmla="*/ 486561 w 1862356"/>
-              <a:gd name="connsiteY24" fmla="*/ 922966 h 2726599"/>
-              <a:gd name="connsiteX25" fmla="*/ 520117 w 1862356"/>
-              <a:gd name="connsiteY25" fmla="*/ 881021 h 2726599"/>
-              <a:gd name="connsiteX26" fmla="*/ 578840 w 1862356"/>
-              <a:gd name="connsiteY26" fmla="*/ 780353 h 2726599"/>
-              <a:gd name="connsiteX27" fmla="*/ 604007 w 1862356"/>
-              <a:gd name="connsiteY27" fmla="*/ 730019 h 2726599"/>
-              <a:gd name="connsiteX28" fmla="*/ 637563 w 1862356"/>
-              <a:gd name="connsiteY28" fmla="*/ 679685 h 2726599"/>
-              <a:gd name="connsiteX29" fmla="*/ 713064 w 1862356"/>
-              <a:gd name="connsiteY29" fmla="*/ 587407 h 2726599"/>
-              <a:gd name="connsiteX30" fmla="*/ 738231 w 1862356"/>
-              <a:gd name="connsiteY30" fmla="*/ 537073 h 2726599"/>
-              <a:gd name="connsiteX31" fmla="*/ 780176 w 1862356"/>
-              <a:gd name="connsiteY31" fmla="*/ 503517 h 2726599"/>
-              <a:gd name="connsiteX32" fmla="*/ 822121 w 1862356"/>
-              <a:gd name="connsiteY32" fmla="*/ 461572 h 2726599"/>
-              <a:gd name="connsiteX33" fmla="*/ 847288 w 1862356"/>
-              <a:gd name="connsiteY33" fmla="*/ 428016 h 2726599"/>
-              <a:gd name="connsiteX34" fmla="*/ 931178 w 1862356"/>
-              <a:gd name="connsiteY34" fmla="*/ 377682 h 2726599"/>
-              <a:gd name="connsiteX35" fmla="*/ 964734 w 1862356"/>
-              <a:gd name="connsiteY35" fmla="*/ 360904 h 2726599"/>
-              <a:gd name="connsiteX36" fmla="*/ 989901 w 1862356"/>
-              <a:gd name="connsiteY36" fmla="*/ 335737 h 2726599"/>
-              <a:gd name="connsiteX37" fmla="*/ 1006679 w 1862356"/>
-              <a:gd name="connsiteY37" fmla="*/ 310570 h 2726599"/>
-              <a:gd name="connsiteX38" fmla="*/ 1048624 w 1862356"/>
-              <a:gd name="connsiteY38" fmla="*/ 293792 h 2726599"/>
-              <a:gd name="connsiteX39" fmla="*/ 1149292 w 1862356"/>
-              <a:gd name="connsiteY39" fmla="*/ 209902 h 2726599"/>
-              <a:gd name="connsiteX40" fmla="*/ 1216404 w 1862356"/>
-              <a:gd name="connsiteY40" fmla="*/ 176346 h 2726599"/>
-              <a:gd name="connsiteX41" fmla="*/ 1275127 w 1862356"/>
-              <a:gd name="connsiteY41" fmla="*/ 151179 h 2726599"/>
-              <a:gd name="connsiteX42" fmla="*/ 1375794 w 1862356"/>
-              <a:gd name="connsiteY42" fmla="*/ 109234 h 2726599"/>
-              <a:gd name="connsiteX43" fmla="*/ 1417739 w 1862356"/>
-              <a:gd name="connsiteY43" fmla="*/ 92456 h 2726599"/>
-              <a:gd name="connsiteX44" fmla="*/ 1459684 w 1862356"/>
-              <a:gd name="connsiteY44" fmla="*/ 84067 h 2726599"/>
-              <a:gd name="connsiteX45" fmla="*/ 1510018 w 1862356"/>
-              <a:gd name="connsiteY45" fmla="*/ 67289 h 2726599"/>
-              <a:gd name="connsiteX46" fmla="*/ 1568741 w 1862356"/>
-              <a:gd name="connsiteY46" fmla="*/ 50511 h 2726599"/>
-              <a:gd name="connsiteX47" fmla="*/ 1610686 w 1862356"/>
-              <a:gd name="connsiteY47" fmla="*/ 33733 h 2726599"/>
-              <a:gd name="connsiteX48" fmla="*/ 1702965 w 1862356"/>
-              <a:gd name="connsiteY48" fmla="*/ 25344 h 2726599"/>
-              <a:gd name="connsiteX49" fmla="*/ 1736521 w 1862356"/>
-              <a:gd name="connsiteY49" fmla="*/ 16955 h 2726599"/>
-              <a:gd name="connsiteX50" fmla="*/ 1795244 w 1862356"/>
-              <a:gd name="connsiteY50" fmla="*/ 177 h 2726599"/>
-              <a:gd name="connsiteX51" fmla="*/ 1853967 w 1862356"/>
-              <a:gd name="connsiteY51" fmla="*/ 8566 h 2726599"/>
-              <a:gd name="connsiteX52" fmla="*/ 1862356 w 1862356"/>
-              <a:gd name="connsiteY52" fmla="*/ 8566 h 2726599"/>
-            </a:gdLst>
-            <a:ahLst/>
-            <a:cxnLst>
-              <a:cxn ang="0">
-                <a:pos x="connsiteX0" y="connsiteY0"/>
-              </a:cxn>
-              <a:cxn ang="0">
-                <a:pos x="connsiteX1" y="connsiteY1"/>
-              </a:cxn>
-              <a:cxn ang="0">
-                <a:pos x="connsiteX2" y="connsiteY2"/>
-              </a:cxn>
-              <a:cxn ang="0">
-                <a:pos x="connsiteX3" y="connsiteY3"/>
-              </a:cxn>
-              <a:cxn ang="0">
-                <a:pos x="connsiteX4" y="connsiteY4"/>
-              </a:cxn>
-              <a:cxn ang="0">
-                <a:pos x="connsiteX5" y="connsiteY5"/>
-              </a:cxn>
-              <a:cxn ang="0">
-                <a:pos x="connsiteX6" y="connsiteY6"/>
-              </a:cxn>
-              <a:cxn ang="0">
-                <a:pos x="connsiteX7" y="connsiteY7"/>
-              </a:cxn>
-              <a:cxn ang="0">
-                <a:pos x="connsiteX8" y="connsiteY8"/>
-              </a:cxn>
-              <a:cxn ang="0">
-                <a:pos x="connsiteX9" y="connsiteY9"/>
-              </a:cxn>
-              <a:cxn ang="0">
-                <a:pos x="connsiteX10" y="connsiteY10"/>
-              </a:cxn>
-              <a:cxn ang="0">
-                <a:pos x="connsiteX11" y="connsiteY11"/>
-              </a:cxn>
-              <a:cxn ang="0">
-                <a:pos x="connsiteX12" y="connsiteY12"/>
-              </a:cxn>
-              <a:cxn ang="0">
-                <a:pos x="connsiteX13" y="connsiteY13"/>
-              </a:cxn>
-              <a:cxn ang="0">
-                <a:pos x="connsiteX14" y="connsiteY14"/>
-              </a:cxn>
-              <a:cxn ang="0">
-                <a:pos x="connsiteX15" y="connsiteY15"/>
-              </a:cxn>
-              <a:cxn ang="0">
-                <a:pos x="connsiteX16" y="connsiteY16"/>
-              </a:cxn>
-              <a:cxn ang="0">
-                <a:pos x="connsiteX17" y="connsiteY17"/>
-              </a:cxn>
-              <a:cxn ang="0">
-                <a:pos x="connsiteX18" y="connsiteY18"/>
-              </a:cxn>
-              <a:cxn ang="0">
-                <a:pos x="connsiteX19" y="connsiteY19"/>
-              </a:cxn>
-              <a:cxn ang="0">
-                <a:pos x="connsiteX20" y="connsiteY20"/>
-              </a:cxn>
-              <a:cxn ang="0">
-                <a:pos x="connsiteX21" y="connsiteY21"/>
-              </a:cxn>
-              <a:cxn ang="0">
-                <a:pos x="connsiteX22" y="connsiteY22"/>
-              </a:cxn>
-              <a:cxn ang="0">
-                <a:pos x="connsiteX23" y="connsiteY23"/>
-              </a:cxn>
-              <a:cxn ang="0">
-                <a:pos x="connsiteX24" y="connsiteY24"/>
-              </a:cxn>
-              <a:cxn ang="0">
-                <a:pos x="connsiteX25" y="connsiteY25"/>
-              </a:cxn>
-              <a:cxn ang="0">
-                <a:pos x="connsiteX26" y="connsiteY26"/>
-              </a:cxn>
-              <a:cxn ang="0">
-                <a:pos x="connsiteX27" y="connsiteY27"/>
-              </a:cxn>
-              <a:cxn ang="0">
-                <a:pos x="connsiteX28" y="connsiteY28"/>
-              </a:cxn>
-              <a:cxn ang="0">
-                <a:pos x="connsiteX29" y="connsiteY29"/>
-              </a:cxn>
-              <a:cxn ang="0">
-                <a:pos x="connsiteX30" y="connsiteY30"/>
-              </a:cxn>
-              <a:cxn ang="0">
-                <a:pos x="connsiteX31" y="connsiteY31"/>
-              </a:cxn>
-              <a:cxn ang="0">
-                <a:pos x="connsiteX32" y="connsiteY32"/>
-              </a:cxn>
-              <a:cxn ang="0">
-                <a:pos x="connsiteX33" y="connsiteY33"/>
-              </a:cxn>
-              <a:cxn ang="0">
-                <a:pos x="connsiteX34" y="connsiteY34"/>
-              </a:cxn>
-              <a:cxn ang="0">
-                <a:pos x="connsiteX35" y="connsiteY35"/>
-              </a:cxn>
-              <a:cxn ang="0">
-                <a:pos x="connsiteX36" y="connsiteY36"/>
-              </a:cxn>
-              <a:cxn ang="0">
-                <a:pos x="connsiteX37" y="connsiteY37"/>
-              </a:cxn>
-              <a:cxn ang="0">
-                <a:pos x="connsiteX38" y="connsiteY38"/>
-              </a:cxn>
-              <a:cxn ang="0">
-                <a:pos x="connsiteX39" y="connsiteY39"/>
-              </a:cxn>
-              <a:cxn ang="0">
-                <a:pos x="connsiteX40" y="connsiteY40"/>
-              </a:cxn>
-              <a:cxn ang="0">
-                <a:pos x="connsiteX41" y="connsiteY41"/>
-              </a:cxn>
-              <a:cxn ang="0">
-                <a:pos x="connsiteX42" y="connsiteY42"/>
-              </a:cxn>
-              <a:cxn ang="0">
-                <a:pos x="connsiteX43" y="connsiteY43"/>
-              </a:cxn>
-              <a:cxn ang="0">
-                <a:pos x="connsiteX44" y="connsiteY44"/>
-              </a:cxn>
-              <a:cxn ang="0">
-                <a:pos x="connsiteX45" y="connsiteY45"/>
-              </a:cxn>
-              <a:cxn ang="0">
-                <a:pos x="connsiteX46" y="connsiteY46"/>
-              </a:cxn>
-              <a:cxn ang="0">
-                <a:pos x="connsiteX47" y="connsiteY47"/>
-              </a:cxn>
-              <a:cxn ang="0">
-                <a:pos x="connsiteX48" y="connsiteY48"/>
-              </a:cxn>
-              <a:cxn ang="0">
-                <a:pos x="connsiteX49" y="connsiteY49"/>
-              </a:cxn>
-              <a:cxn ang="0">
-                <a:pos x="connsiteX50" y="connsiteY50"/>
-              </a:cxn>
-              <a:cxn ang="0">
-                <a:pos x="connsiteX51" y="connsiteY51"/>
-              </a:cxn>
-              <a:cxn ang="0">
-                <a:pos x="connsiteX52" y="connsiteY52"/>
-              </a:cxn>
-            </a:cxnLst>
-            <a:rect l="l" t="t" r="r" b="b"/>
-            <a:pathLst>
-              <a:path w="1862356" h="2726599">
-                <a:moveTo>
-                  <a:pt x="8389" y="2726599"/>
-                </a:moveTo>
-                <a:cubicBezTo>
-                  <a:pt x="5593" y="2712617"/>
-                  <a:pt x="0" y="2698913"/>
-                  <a:pt x="0" y="2684654"/>
-                </a:cubicBezTo>
-                <a:cubicBezTo>
-                  <a:pt x="0" y="2639046"/>
-                  <a:pt x="4947" y="2580976"/>
-                  <a:pt x="16778" y="2533652"/>
-                </a:cubicBezTo>
-                <a:cubicBezTo>
-                  <a:pt x="21715" y="2513902"/>
-                  <a:pt x="27963" y="2494503"/>
-                  <a:pt x="33556" y="2474929"/>
-                </a:cubicBezTo>
-                <a:cubicBezTo>
-                  <a:pt x="36352" y="2446966"/>
-                  <a:pt x="36766" y="2418661"/>
-                  <a:pt x="41945" y="2391040"/>
-                </a:cubicBezTo>
-                <a:cubicBezTo>
-                  <a:pt x="45204" y="2373657"/>
-                  <a:pt x="55255" y="2358048"/>
-                  <a:pt x="58723" y="2340706"/>
-                </a:cubicBezTo>
-                <a:cubicBezTo>
-                  <a:pt x="71634" y="2276150"/>
-                  <a:pt x="63654" y="2312594"/>
-                  <a:pt x="83890" y="2231649"/>
-                </a:cubicBezTo>
-                <a:cubicBezTo>
-                  <a:pt x="86686" y="2220464"/>
-                  <a:pt x="90384" y="2209466"/>
-                  <a:pt x="92279" y="2198093"/>
-                </a:cubicBezTo>
-                <a:cubicBezTo>
-                  <a:pt x="95075" y="2181315"/>
-                  <a:pt x="97625" y="2164494"/>
-                  <a:pt x="100668" y="2147759"/>
-                </a:cubicBezTo>
-                <a:cubicBezTo>
-                  <a:pt x="103219" y="2133730"/>
-                  <a:pt x="106713" y="2119879"/>
-                  <a:pt x="109057" y="2105814"/>
-                </a:cubicBezTo>
-                <a:cubicBezTo>
-                  <a:pt x="112308" y="2086310"/>
-                  <a:pt x="113000" y="2066358"/>
-                  <a:pt x="117446" y="2047091"/>
-                </a:cubicBezTo>
-                <a:cubicBezTo>
-                  <a:pt x="121423" y="2029858"/>
-                  <a:pt x="129365" y="2013762"/>
-                  <a:pt x="134224" y="1996757"/>
-                </a:cubicBezTo>
-                <a:cubicBezTo>
-                  <a:pt x="140559" y="1974585"/>
-                  <a:pt x="144495" y="1951767"/>
-                  <a:pt x="151002" y="1929645"/>
-                </a:cubicBezTo>
-                <a:cubicBezTo>
-                  <a:pt x="158487" y="1904195"/>
-                  <a:pt x="169069" y="1879705"/>
-                  <a:pt x="176169" y="1854144"/>
-                </a:cubicBezTo>
-                <a:cubicBezTo>
-                  <a:pt x="183069" y="1829304"/>
-                  <a:pt x="186694" y="1803654"/>
-                  <a:pt x="192947" y="1778643"/>
-                </a:cubicBezTo>
-                <a:cubicBezTo>
-                  <a:pt x="209067" y="1714163"/>
-                  <a:pt x="208080" y="1729461"/>
-                  <a:pt x="226503" y="1669586"/>
-                </a:cubicBezTo>
-                <a:cubicBezTo>
-                  <a:pt x="232490" y="1650129"/>
-                  <a:pt x="235720" y="1629765"/>
-                  <a:pt x="243281" y="1610863"/>
-                </a:cubicBezTo>
-                <a:cubicBezTo>
-                  <a:pt x="252570" y="1587641"/>
-                  <a:pt x="268425" y="1567306"/>
-                  <a:pt x="276837" y="1543752"/>
-                </a:cubicBezTo>
-                <a:cubicBezTo>
-                  <a:pt x="296475" y="1488765"/>
-                  <a:pt x="308707" y="1431365"/>
-                  <a:pt x="327171" y="1375972"/>
-                </a:cubicBezTo>
-                <a:cubicBezTo>
-                  <a:pt x="335560" y="1350805"/>
-                  <a:pt x="343509" y="1325487"/>
-                  <a:pt x="352338" y="1300471"/>
-                </a:cubicBezTo>
-                <a:cubicBezTo>
-                  <a:pt x="360290" y="1277941"/>
-                  <a:pt x="370764" y="1256280"/>
-                  <a:pt x="377505" y="1233359"/>
-                </a:cubicBezTo>
-                <a:cubicBezTo>
-                  <a:pt x="384779" y="1208626"/>
-                  <a:pt x="387008" y="1182591"/>
-                  <a:pt x="394282" y="1157858"/>
-                </a:cubicBezTo>
-                <a:cubicBezTo>
-                  <a:pt x="401023" y="1134937"/>
-                  <a:pt x="411894" y="1113412"/>
-                  <a:pt x="419449" y="1090746"/>
-                </a:cubicBezTo>
-                <a:cubicBezTo>
-                  <a:pt x="461978" y="963160"/>
-                  <a:pt x="408143" y="1097065"/>
-                  <a:pt x="461394" y="981689"/>
-                </a:cubicBezTo>
-                <a:cubicBezTo>
-                  <a:pt x="470318" y="962353"/>
-                  <a:pt x="475830" y="941361"/>
-                  <a:pt x="486561" y="922966"/>
-                </a:cubicBezTo>
-                <a:cubicBezTo>
-                  <a:pt x="495583" y="907500"/>
-                  <a:pt x="508932" y="895003"/>
-                  <a:pt x="520117" y="881021"/>
-                </a:cubicBezTo>
-                <a:cubicBezTo>
-                  <a:pt x="552563" y="767459"/>
-                  <a:pt x="512558" y="871491"/>
-                  <a:pt x="578840" y="780353"/>
-                </a:cubicBezTo>
-                <a:cubicBezTo>
-                  <a:pt x="589873" y="765182"/>
-                  <a:pt x="594555" y="746222"/>
-                  <a:pt x="604007" y="730019"/>
-                </a:cubicBezTo>
-                <a:cubicBezTo>
-                  <a:pt x="614167" y="712601"/>
-                  <a:pt x="625314" y="695703"/>
-                  <a:pt x="637563" y="679685"/>
-                </a:cubicBezTo>
-                <a:cubicBezTo>
-                  <a:pt x="661705" y="648115"/>
-                  <a:pt x="695290" y="622954"/>
-                  <a:pt x="713064" y="587407"/>
-                </a:cubicBezTo>
-                <a:cubicBezTo>
-                  <a:pt x="721453" y="570629"/>
-                  <a:pt x="726513" y="551721"/>
-                  <a:pt x="738231" y="537073"/>
-                </a:cubicBezTo>
-                <a:cubicBezTo>
-                  <a:pt x="749416" y="523091"/>
-                  <a:pt x="766867" y="515495"/>
-                  <a:pt x="780176" y="503517"/>
-                </a:cubicBezTo>
-                <a:cubicBezTo>
-                  <a:pt x="794873" y="490290"/>
-                  <a:pt x="808984" y="476351"/>
-                  <a:pt x="822121" y="461572"/>
-                </a:cubicBezTo>
-                <a:cubicBezTo>
-                  <a:pt x="831410" y="451122"/>
-                  <a:pt x="836206" y="436541"/>
-                  <a:pt x="847288" y="428016"/>
-                </a:cubicBezTo>
-                <a:cubicBezTo>
-                  <a:pt x="873136" y="408133"/>
-                  <a:pt x="902010" y="392266"/>
-                  <a:pt x="931178" y="377682"/>
-                </a:cubicBezTo>
-                <a:cubicBezTo>
-                  <a:pt x="942363" y="372089"/>
-                  <a:pt x="954558" y="368173"/>
-                  <a:pt x="964734" y="360904"/>
-                </a:cubicBezTo>
-                <a:cubicBezTo>
-                  <a:pt x="974388" y="354008"/>
-                  <a:pt x="982306" y="344851"/>
-                  <a:pt x="989901" y="335737"/>
-                </a:cubicBezTo>
-                <a:cubicBezTo>
-                  <a:pt x="996356" y="327992"/>
-                  <a:pt x="998475" y="316430"/>
-                  <a:pt x="1006679" y="310570"/>
-                </a:cubicBezTo>
-                <a:cubicBezTo>
-                  <a:pt x="1018933" y="301817"/>
-                  <a:pt x="1035799" y="301684"/>
-                  <a:pt x="1048624" y="293792"/>
-                </a:cubicBezTo>
-                <a:cubicBezTo>
-                  <a:pt x="1139682" y="237756"/>
-                  <a:pt x="1089576" y="261088"/>
-                  <a:pt x="1149292" y="209902"/>
-                </a:cubicBezTo>
-                <a:cubicBezTo>
-                  <a:pt x="1176502" y="186579"/>
-                  <a:pt x="1180760" y="194168"/>
-                  <a:pt x="1216404" y="176346"/>
-                </a:cubicBezTo>
-                <a:cubicBezTo>
-                  <a:pt x="1274338" y="147379"/>
-                  <a:pt x="1205290" y="168638"/>
-                  <a:pt x="1275127" y="151179"/>
-                </a:cubicBezTo>
-                <a:cubicBezTo>
-                  <a:pt x="1357335" y="110074"/>
-                  <a:pt x="1292526" y="139513"/>
-                  <a:pt x="1375794" y="109234"/>
-                </a:cubicBezTo>
-                <a:cubicBezTo>
-                  <a:pt x="1389946" y="104088"/>
-                  <a:pt x="1403315" y="96783"/>
-                  <a:pt x="1417739" y="92456"/>
-                </a:cubicBezTo>
-                <a:cubicBezTo>
-                  <a:pt x="1431396" y="88359"/>
-                  <a:pt x="1445928" y="87819"/>
-                  <a:pt x="1459684" y="84067"/>
-                </a:cubicBezTo>
-                <a:cubicBezTo>
-                  <a:pt x="1476746" y="79414"/>
-                  <a:pt x="1493078" y="72371"/>
-                  <a:pt x="1510018" y="67289"/>
-                </a:cubicBezTo>
-                <a:cubicBezTo>
-                  <a:pt x="1554090" y="54067"/>
-                  <a:pt x="1531150" y="64607"/>
-                  <a:pt x="1568741" y="50511"/>
-                </a:cubicBezTo>
-                <a:cubicBezTo>
-                  <a:pt x="1582841" y="45224"/>
-                  <a:pt x="1595885" y="36508"/>
-                  <a:pt x="1610686" y="33733"/>
-                </a:cubicBezTo>
-                <a:cubicBezTo>
-                  <a:pt x="1641043" y="28041"/>
-                  <a:pt x="1672205" y="28140"/>
-                  <a:pt x="1702965" y="25344"/>
-                </a:cubicBezTo>
-                <a:cubicBezTo>
-                  <a:pt x="1714150" y="22548"/>
-                  <a:pt x="1725398" y="19989"/>
-                  <a:pt x="1736521" y="16955"/>
-                </a:cubicBezTo>
-                <a:cubicBezTo>
-                  <a:pt x="1756161" y="11599"/>
-                  <a:pt x="1774938" y="1627"/>
-                  <a:pt x="1795244" y="177"/>
-                </a:cubicBezTo>
-                <a:cubicBezTo>
-                  <a:pt x="1814967" y="-1232"/>
-                  <a:pt x="1834347" y="6113"/>
-                  <a:pt x="1853967" y="8566"/>
-                </a:cubicBezTo>
-                <a:cubicBezTo>
-                  <a:pt x="1856742" y="8913"/>
-                  <a:pt x="1859560" y="8566"/>
-                  <a:pt x="1862356" y="8566"/>
-                </a:cubicBezTo>
-              </a:path>
-            </a:pathLst>
-          </a:custGeom>
-          <a:noFill/>
-          <a:ln>
-            <a:solidFill>
-              <a:srgbClr val="FF0000"/>
-            </a:solidFill>
-          </a:ln>
-        </p:spPr>
-        <p:style>
-          <a:lnRef idx="2">
-            <a:schemeClr val="accent1">
-              <a:shade val="15000"/>
-            </a:schemeClr>
-          </a:lnRef>
-          <a:fillRef idx="1">
-            <a:schemeClr val="accent1"/>
-          </a:fillRef>
-          <a:effectRef idx="0">
-            <a:schemeClr val="accent1"/>
-          </a:effectRef>
-          <a:fontRef idx="minor">
-            <a:schemeClr val="lt1"/>
-          </a:fontRef>
-        </p:style>
-        <p:txBody>
-          <a:bodyPr rtlCol="0" anchor="ctr"/>
-          <a:lstStyle/>
-          <a:p>
-            <a:pPr algn="ctr"/>
-            <a:endParaRPr lang="hu-HU"/>
-          </a:p>
-        </p:txBody>
-      </p:sp>
-      <p:sp>
-        <p:nvSpPr>
-          <p:cNvPr id="12" name="Szabadkézi sokszög: alakzat 11">
-            <a:extLst>
-              <a:ext uri="{FF2B5EF4-FFF2-40B4-BE49-F238E27FC236}">
-                <a16:creationId xmlns:a16="http://schemas.microsoft.com/office/drawing/2014/main" id="{B1A89EA9-9240-CF00-D23E-63D7F8ED8B7D}"/>
-              </a:ext>
-            </a:extLst>
-          </p:cNvPr>
-          <p:cNvSpPr/>
-          <p:nvPr/>
-        </p:nvSpPr>
-        <p:spPr>
-          <a:xfrm flipH="1">
-            <a:off x="5461233" y="2575243"/>
-            <a:ext cx="1862356" cy="2726599"/>
-          </a:xfrm>
-          <a:custGeom>
-            <a:avLst/>
-            <a:gdLst>
-              <a:gd name="connsiteX0" fmla="*/ 8389 w 1862356"/>
-              <a:gd name="connsiteY0" fmla="*/ 2726599 h 2726599"/>
-              <a:gd name="connsiteX1" fmla="*/ 0 w 1862356"/>
-              <a:gd name="connsiteY1" fmla="*/ 2684654 h 2726599"/>
-              <a:gd name="connsiteX2" fmla="*/ 16778 w 1862356"/>
-              <a:gd name="connsiteY2" fmla="*/ 2533652 h 2726599"/>
-              <a:gd name="connsiteX3" fmla="*/ 33556 w 1862356"/>
-              <a:gd name="connsiteY3" fmla="*/ 2474929 h 2726599"/>
-              <a:gd name="connsiteX4" fmla="*/ 41945 w 1862356"/>
-              <a:gd name="connsiteY4" fmla="*/ 2391040 h 2726599"/>
-              <a:gd name="connsiteX5" fmla="*/ 58723 w 1862356"/>
-              <a:gd name="connsiteY5" fmla="*/ 2340706 h 2726599"/>
-              <a:gd name="connsiteX6" fmla="*/ 83890 w 1862356"/>
-              <a:gd name="connsiteY6" fmla="*/ 2231649 h 2726599"/>
-              <a:gd name="connsiteX7" fmla="*/ 92279 w 1862356"/>
-              <a:gd name="connsiteY7" fmla="*/ 2198093 h 2726599"/>
-              <a:gd name="connsiteX8" fmla="*/ 100668 w 1862356"/>
-              <a:gd name="connsiteY8" fmla="*/ 2147759 h 2726599"/>
-              <a:gd name="connsiteX9" fmla="*/ 109057 w 1862356"/>
-              <a:gd name="connsiteY9" fmla="*/ 2105814 h 2726599"/>
-              <a:gd name="connsiteX10" fmla="*/ 117446 w 1862356"/>
-              <a:gd name="connsiteY10" fmla="*/ 2047091 h 2726599"/>
-              <a:gd name="connsiteX11" fmla="*/ 134224 w 1862356"/>
-              <a:gd name="connsiteY11" fmla="*/ 1996757 h 2726599"/>
-              <a:gd name="connsiteX12" fmla="*/ 151002 w 1862356"/>
-              <a:gd name="connsiteY12" fmla="*/ 1929645 h 2726599"/>
-              <a:gd name="connsiteX13" fmla="*/ 176169 w 1862356"/>
-              <a:gd name="connsiteY13" fmla="*/ 1854144 h 2726599"/>
-              <a:gd name="connsiteX14" fmla="*/ 192947 w 1862356"/>
-              <a:gd name="connsiteY14" fmla="*/ 1778643 h 2726599"/>
-              <a:gd name="connsiteX15" fmla="*/ 226503 w 1862356"/>
-              <a:gd name="connsiteY15" fmla="*/ 1669586 h 2726599"/>
-              <a:gd name="connsiteX16" fmla="*/ 243281 w 1862356"/>
-              <a:gd name="connsiteY16" fmla="*/ 1610863 h 2726599"/>
-              <a:gd name="connsiteX17" fmla="*/ 276837 w 1862356"/>
-              <a:gd name="connsiteY17" fmla="*/ 1543752 h 2726599"/>
-              <a:gd name="connsiteX18" fmla="*/ 327171 w 1862356"/>
-              <a:gd name="connsiteY18" fmla="*/ 1375972 h 2726599"/>
-              <a:gd name="connsiteX19" fmla="*/ 352338 w 1862356"/>
-              <a:gd name="connsiteY19" fmla="*/ 1300471 h 2726599"/>
-              <a:gd name="connsiteX20" fmla="*/ 377505 w 1862356"/>
-              <a:gd name="connsiteY20" fmla="*/ 1233359 h 2726599"/>
-              <a:gd name="connsiteX21" fmla="*/ 394282 w 1862356"/>
-              <a:gd name="connsiteY21" fmla="*/ 1157858 h 2726599"/>
-              <a:gd name="connsiteX22" fmla="*/ 419449 w 1862356"/>
-              <a:gd name="connsiteY22" fmla="*/ 1090746 h 2726599"/>
-              <a:gd name="connsiteX23" fmla="*/ 461394 w 1862356"/>
-              <a:gd name="connsiteY23" fmla="*/ 981689 h 2726599"/>
-              <a:gd name="connsiteX24" fmla="*/ 486561 w 1862356"/>
-              <a:gd name="connsiteY24" fmla="*/ 922966 h 2726599"/>
-              <a:gd name="connsiteX25" fmla="*/ 520117 w 1862356"/>
-              <a:gd name="connsiteY25" fmla="*/ 881021 h 2726599"/>
-              <a:gd name="connsiteX26" fmla="*/ 578840 w 1862356"/>
-              <a:gd name="connsiteY26" fmla="*/ 780353 h 2726599"/>
-              <a:gd name="connsiteX27" fmla="*/ 604007 w 1862356"/>
-              <a:gd name="connsiteY27" fmla="*/ 730019 h 2726599"/>
-              <a:gd name="connsiteX28" fmla="*/ 637563 w 1862356"/>
-              <a:gd name="connsiteY28" fmla="*/ 679685 h 2726599"/>
-              <a:gd name="connsiteX29" fmla="*/ 713064 w 1862356"/>
-              <a:gd name="connsiteY29" fmla="*/ 587407 h 2726599"/>
-              <a:gd name="connsiteX30" fmla="*/ 738231 w 1862356"/>
-              <a:gd name="connsiteY30" fmla="*/ 537073 h 2726599"/>
-              <a:gd name="connsiteX31" fmla="*/ 780176 w 1862356"/>
-              <a:gd name="connsiteY31" fmla="*/ 503517 h 2726599"/>
-              <a:gd name="connsiteX32" fmla="*/ 822121 w 1862356"/>
-              <a:gd name="connsiteY32" fmla="*/ 461572 h 2726599"/>
-              <a:gd name="connsiteX33" fmla="*/ 847288 w 1862356"/>
-              <a:gd name="connsiteY33" fmla="*/ 428016 h 2726599"/>
-              <a:gd name="connsiteX34" fmla="*/ 931178 w 1862356"/>
-              <a:gd name="connsiteY34" fmla="*/ 377682 h 2726599"/>
-              <a:gd name="connsiteX35" fmla="*/ 964734 w 1862356"/>
-              <a:gd name="connsiteY35" fmla="*/ 360904 h 2726599"/>
-              <a:gd name="connsiteX36" fmla="*/ 989901 w 1862356"/>
-              <a:gd name="connsiteY36" fmla="*/ 335737 h 2726599"/>
-              <a:gd name="connsiteX37" fmla="*/ 1006679 w 1862356"/>
-              <a:gd name="connsiteY37" fmla="*/ 310570 h 2726599"/>
-              <a:gd name="connsiteX38" fmla="*/ 1048624 w 1862356"/>
-              <a:gd name="connsiteY38" fmla="*/ 293792 h 2726599"/>
-              <a:gd name="connsiteX39" fmla="*/ 1149292 w 1862356"/>
-              <a:gd name="connsiteY39" fmla="*/ 209902 h 2726599"/>
-              <a:gd name="connsiteX40" fmla="*/ 1216404 w 1862356"/>
-              <a:gd name="connsiteY40" fmla="*/ 176346 h 2726599"/>
-              <a:gd name="connsiteX41" fmla="*/ 1275127 w 1862356"/>
-              <a:gd name="connsiteY41" fmla="*/ 151179 h 2726599"/>
-              <a:gd name="connsiteX42" fmla="*/ 1375794 w 1862356"/>
-              <a:gd name="connsiteY42" fmla="*/ 109234 h 2726599"/>
-              <a:gd name="connsiteX43" fmla="*/ 1417739 w 1862356"/>
-              <a:gd name="connsiteY43" fmla="*/ 92456 h 2726599"/>
-              <a:gd name="connsiteX44" fmla="*/ 1459684 w 1862356"/>
-              <a:gd name="connsiteY44" fmla="*/ 84067 h 2726599"/>
-              <a:gd name="connsiteX45" fmla="*/ 1510018 w 1862356"/>
-              <a:gd name="connsiteY45" fmla="*/ 67289 h 2726599"/>
-              <a:gd name="connsiteX46" fmla="*/ 1568741 w 1862356"/>
-              <a:gd name="connsiteY46" fmla="*/ 50511 h 2726599"/>
-              <a:gd name="connsiteX47" fmla="*/ 1610686 w 1862356"/>
-              <a:gd name="connsiteY47" fmla="*/ 33733 h 2726599"/>
-              <a:gd name="connsiteX48" fmla="*/ 1702965 w 1862356"/>
-              <a:gd name="connsiteY48" fmla="*/ 25344 h 2726599"/>
-              <a:gd name="connsiteX49" fmla="*/ 1736521 w 1862356"/>
-              <a:gd name="connsiteY49" fmla="*/ 16955 h 2726599"/>
-              <a:gd name="connsiteX50" fmla="*/ 1795244 w 1862356"/>
-              <a:gd name="connsiteY50" fmla="*/ 177 h 2726599"/>
-              <a:gd name="connsiteX51" fmla="*/ 1853967 w 1862356"/>
-              <a:gd name="connsiteY51" fmla="*/ 8566 h 2726599"/>
-              <a:gd name="connsiteX52" fmla="*/ 1862356 w 1862356"/>
-              <a:gd name="connsiteY52" fmla="*/ 8566 h 2726599"/>
-            </a:gdLst>
-            <a:ahLst/>
-            <a:cxnLst>
-              <a:cxn ang="0">
-                <a:pos x="connsiteX0" y="connsiteY0"/>
-              </a:cxn>
-              <a:cxn ang="0">
-                <a:pos x="connsiteX1" y="connsiteY1"/>
-              </a:cxn>
-              <a:cxn ang="0">
-                <a:pos x="connsiteX2" y="connsiteY2"/>
-              </a:cxn>
-              <a:cxn ang="0">
-                <a:pos x="connsiteX3" y="connsiteY3"/>
-              </a:cxn>
-              <a:cxn ang="0">
-                <a:pos x="connsiteX4" y="connsiteY4"/>
-              </a:cxn>
-              <a:cxn ang="0">
-                <a:pos x="connsiteX5" y="connsiteY5"/>
-              </a:cxn>
-              <a:cxn ang="0">
-                <a:pos x="connsiteX6" y="connsiteY6"/>
-              </a:cxn>
-              <a:cxn ang="0">
-                <a:pos x="connsiteX7" y="connsiteY7"/>
-              </a:cxn>
-              <a:cxn ang="0">
-                <a:pos x="connsiteX8" y="connsiteY8"/>
-              </a:cxn>
-              <a:cxn ang="0">
-                <a:pos x="connsiteX9" y="connsiteY9"/>
-              </a:cxn>
-              <a:cxn ang="0">
-                <a:pos x="connsiteX10" y="connsiteY10"/>
-              </a:cxn>
-              <a:cxn ang="0">
-                <a:pos x="connsiteX11" y="connsiteY11"/>
-              </a:cxn>
-              <a:cxn ang="0">
-                <a:pos x="connsiteX12" y="connsiteY12"/>
-              </a:cxn>
-              <a:cxn ang="0">
-                <a:pos x="connsiteX13" y="connsiteY13"/>
-              </a:cxn>
-              <a:cxn ang="0">
-                <a:pos x="connsiteX14" y="connsiteY14"/>
-              </a:cxn>
-              <a:cxn ang="0">
-                <a:pos x="connsiteX15" y="connsiteY15"/>
-              </a:cxn>
-              <a:cxn ang="0">
-                <a:pos x="connsiteX16" y="connsiteY16"/>
-              </a:cxn>
-              <a:cxn ang="0">
-                <a:pos x="connsiteX17" y="connsiteY17"/>
-              </a:cxn>
-              <a:cxn ang="0">
-                <a:pos x="connsiteX18" y="connsiteY18"/>
-              </a:cxn>
-              <a:cxn ang="0">
-                <a:pos x="connsiteX19" y="connsiteY19"/>
-              </a:cxn>
-              <a:cxn ang="0">
-                <a:pos x="connsiteX20" y="connsiteY20"/>
-              </a:cxn>
-              <a:cxn ang="0">
-                <a:pos x="connsiteX21" y="connsiteY21"/>
-              </a:cxn>
-              <a:cxn ang="0">
-                <a:pos x="connsiteX22" y="connsiteY22"/>
-              </a:cxn>
-              <a:cxn ang="0">
-                <a:pos x="connsiteX23" y="connsiteY23"/>
-              </a:cxn>
-              <a:cxn ang="0">
-                <a:pos x="connsiteX24" y="connsiteY24"/>
-              </a:cxn>
-              <a:cxn ang="0">
-                <a:pos x="connsiteX25" y="connsiteY25"/>
-              </a:cxn>
-              <a:cxn ang="0">
-                <a:pos x="connsiteX26" y="connsiteY26"/>
-              </a:cxn>
-              <a:cxn ang="0">
-                <a:pos x="connsiteX27" y="connsiteY27"/>
-              </a:cxn>
-              <a:cxn ang="0">
-                <a:pos x="connsiteX28" y="connsiteY28"/>
-              </a:cxn>
-              <a:cxn ang="0">
-                <a:pos x="connsiteX29" y="connsiteY29"/>
-              </a:cxn>
-              <a:cxn ang="0">
-                <a:pos x="connsiteX30" y="connsiteY30"/>
-              </a:cxn>
-              <a:cxn ang="0">
-                <a:pos x="connsiteX31" y="connsiteY31"/>
-              </a:cxn>
-              <a:cxn ang="0">
-                <a:pos x="connsiteX32" y="connsiteY32"/>
-              </a:cxn>
-              <a:cxn ang="0">
-                <a:pos x="connsiteX33" y="connsiteY33"/>
-              </a:cxn>
-              <a:cxn ang="0">
-                <a:pos x="connsiteX34" y="connsiteY34"/>
-              </a:cxn>
-              <a:cxn ang="0">
-                <a:pos x="connsiteX35" y="connsiteY35"/>
-              </a:cxn>
-              <a:cxn ang="0">
-                <a:pos x="connsiteX36" y="connsiteY36"/>
-              </a:cxn>
-              <a:cxn ang="0">
-                <a:pos x="connsiteX37" y="connsiteY37"/>
-              </a:cxn>
-              <a:cxn ang="0">
-                <a:pos x="connsiteX38" y="connsiteY38"/>
-              </a:cxn>
-              <a:cxn ang="0">
-                <a:pos x="connsiteX39" y="connsiteY39"/>
-              </a:cxn>
-              <a:cxn ang="0">
-                <a:pos x="connsiteX40" y="connsiteY40"/>
-              </a:cxn>
-              <a:cxn ang="0">
-                <a:pos x="connsiteX41" y="connsiteY41"/>
-              </a:cxn>
-              <a:cxn ang="0">
-                <a:pos x="connsiteX42" y="connsiteY42"/>
-              </a:cxn>
-              <a:cxn ang="0">
-                <a:pos x="connsiteX43" y="connsiteY43"/>
-              </a:cxn>
-              <a:cxn ang="0">
-                <a:pos x="connsiteX44" y="connsiteY44"/>
-              </a:cxn>
-              <a:cxn ang="0">
-                <a:pos x="connsiteX45" y="connsiteY45"/>
-              </a:cxn>
-              <a:cxn ang="0">
-                <a:pos x="connsiteX46" y="connsiteY46"/>
-              </a:cxn>
-              <a:cxn ang="0">
-                <a:pos x="connsiteX47" y="connsiteY47"/>
-              </a:cxn>
-              <a:cxn ang="0">
-                <a:pos x="connsiteX48" y="connsiteY48"/>
-              </a:cxn>
-              <a:cxn ang="0">
-                <a:pos x="connsiteX49" y="connsiteY49"/>
-              </a:cxn>
-              <a:cxn ang="0">
-                <a:pos x="connsiteX50" y="connsiteY50"/>
-              </a:cxn>
-              <a:cxn ang="0">
-                <a:pos x="connsiteX51" y="connsiteY51"/>
-              </a:cxn>
-              <a:cxn ang="0">
-                <a:pos x="connsiteX52" y="connsiteY52"/>
-              </a:cxn>
-            </a:cxnLst>
-            <a:rect l="l" t="t" r="r" b="b"/>
-            <a:pathLst>
-              <a:path w="1862356" h="2726599">
-                <a:moveTo>
-                  <a:pt x="8389" y="2726599"/>
-                </a:moveTo>
-                <a:cubicBezTo>
-                  <a:pt x="5593" y="2712617"/>
-                  <a:pt x="0" y="2698913"/>
-                  <a:pt x="0" y="2684654"/>
-                </a:cubicBezTo>
-                <a:cubicBezTo>
-                  <a:pt x="0" y="2639046"/>
-                  <a:pt x="4947" y="2580976"/>
-                  <a:pt x="16778" y="2533652"/>
-                </a:cubicBezTo>
-                <a:cubicBezTo>
-                  <a:pt x="21715" y="2513902"/>
-                  <a:pt x="27963" y="2494503"/>
-                  <a:pt x="33556" y="2474929"/>
-                </a:cubicBezTo>
-                <a:cubicBezTo>
-                  <a:pt x="36352" y="2446966"/>
-                  <a:pt x="36766" y="2418661"/>
-                  <a:pt x="41945" y="2391040"/>
-                </a:cubicBezTo>
-                <a:cubicBezTo>
-                  <a:pt x="45204" y="2373657"/>
-                  <a:pt x="55255" y="2358048"/>
-                  <a:pt x="58723" y="2340706"/>
-                </a:cubicBezTo>
-                <a:cubicBezTo>
-                  <a:pt x="71634" y="2276150"/>
-                  <a:pt x="63654" y="2312594"/>
-                  <a:pt x="83890" y="2231649"/>
-                </a:cubicBezTo>
-                <a:cubicBezTo>
-                  <a:pt x="86686" y="2220464"/>
-                  <a:pt x="90384" y="2209466"/>
-                  <a:pt x="92279" y="2198093"/>
-                </a:cubicBezTo>
-                <a:cubicBezTo>
-                  <a:pt x="95075" y="2181315"/>
-                  <a:pt x="97625" y="2164494"/>
-                  <a:pt x="100668" y="2147759"/>
-                </a:cubicBezTo>
-                <a:cubicBezTo>
-                  <a:pt x="103219" y="2133730"/>
-                  <a:pt x="106713" y="2119879"/>
-                  <a:pt x="109057" y="2105814"/>
-                </a:cubicBezTo>
-                <a:cubicBezTo>
-                  <a:pt x="112308" y="2086310"/>
-                  <a:pt x="113000" y="2066358"/>
-                  <a:pt x="117446" y="2047091"/>
-                </a:cubicBezTo>
-                <a:cubicBezTo>
-                  <a:pt x="121423" y="2029858"/>
-                  <a:pt x="129365" y="2013762"/>
-                  <a:pt x="134224" y="1996757"/>
-                </a:cubicBezTo>
-                <a:cubicBezTo>
-                  <a:pt x="140559" y="1974585"/>
-                  <a:pt x="144495" y="1951767"/>
-                  <a:pt x="151002" y="1929645"/>
-                </a:cubicBezTo>
-                <a:cubicBezTo>
-                  <a:pt x="158487" y="1904195"/>
-                  <a:pt x="169069" y="1879705"/>
-                  <a:pt x="176169" y="1854144"/>
-                </a:cubicBezTo>
-                <a:cubicBezTo>
-                  <a:pt x="183069" y="1829304"/>
-                  <a:pt x="186694" y="1803654"/>
-                  <a:pt x="192947" y="1778643"/>
-                </a:cubicBezTo>
-                <a:cubicBezTo>
-                  <a:pt x="209067" y="1714163"/>
-                  <a:pt x="208080" y="1729461"/>
-                  <a:pt x="226503" y="1669586"/>
-                </a:cubicBezTo>
-                <a:cubicBezTo>
-                  <a:pt x="232490" y="1650129"/>
-                  <a:pt x="235720" y="1629765"/>
-                  <a:pt x="243281" y="1610863"/>
-                </a:cubicBezTo>
-                <a:cubicBezTo>
-                  <a:pt x="252570" y="1587641"/>
-                  <a:pt x="268425" y="1567306"/>
-                  <a:pt x="276837" y="1543752"/>
-                </a:cubicBezTo>
-                <a:cubicBezTo>
-                  <a:pt x="296475" y="1488765"/>
-                  <a:pt x="308707" y="1431365"/>
-                  <a:pt x="327171" y="1375972"/>
-                </a:cubicBezTo>
-                <a:cubicBezTo>
-                  <a:pt x="335560" y="1350805"/>
-                  <a:pt x="343509" y="1325487"/>
-                  <a:pt x="352338" y="1300471"/>
-                </a:cubicBezTo>
-                <a:cubicBezTo>
-                  <a:pt x="360290" y="1277941"/>
-                  <a:pt x="370764" y="1256280"/>
-                  <a:pt x="377505" y="1233359"/>
-                </a:cubicBezTo>
-                <a:cubicBezTo>
-                  <a:pt x="384779" y="1208626"/>
-                  <a:pt x="387008" y="1182591"/>
-                  <a:pt x="394282" y="1157858"/>
-                </a:cubicBezTo>
-                <a:cubicBezTo>
-                  <a:pt x="401023" y="1134937"/>
-                  <a:pt x="411894" y="1113412"/>
-                  <a:pt x="419449" y="1090746"/>
-                </a:cubicBezTo>
-                <a:cubicBezTo>
-                  <a:pt x="461978" y="963160"/>
-                  <a:pt x="408143" y="1097065"/>
-                  <a:pt x="461394" y="981689"/>
-                </a:cubicBezTo>
-                <a:cubicBezTo>
-                  <a:pt x="470318" y="962353"/>
-                  <a:pt x="475830" y="941361"/>
-                  <a:pt x="486561" y="922966"/>
-                </a:cubicBezTo>
-                <a:cubicBezTo>
-                  <a:pt x="495583" y="907500"/>
-                  <a:pt x="508932" y="895003"/>
-                  <a:pt x="520117" y="881021"/>
-                </a:cubicBezTo>
-                <a:cubicBezTo>
-                  <a:pt x="552563" y="767459"/>
-                  <a:pt x="512558" y="871491"/>
-                  <a:pt x="578840" y="780353"/>
-                </a:cubicBezTo>
-                <a:cubicBezTo>
-                  <a:pt x="589873" y="765182"/>
-                  <a:pt x="594555" y="746222"/>
-                  <a:pt x="604007" y="730019"/>
-                </a:cubicBezTo>
-                <a:cubicBezTo>
-                  <a:pt x="614167" y="712601"/>
-                  <a:pt x="625314" y="695703"/>
-                  <a:pt x="637563" y="679685"/>
-                </a:cubicBezTo>
-                <a:cubicBezTo>
-                  <a:pt x="661705" y="648115"/>
-                  <a:pt x="695290" y="622954"/>
-                  <a:pt x="713064" y="587407"/>
-                </a:cubicBezTo>
-                <a:cubicBezTo>
-                  <a:pt x="721453" y="570629"/>
-                  <a:pt x="726513" y="551721"/>
-                  <a:pt x="738231" y="537073"/>
-                </a:cubicBezTo>
-                <a:cubicBezTo>
-                  <a:pt x="749416" y="523091"/>
-                  <a:pt x="766867" y="515495"/>
-                  <a:pt x="780176" y="503517"/>
-                </a:cubicBezTo>
-                <a:cubicBezTo>
-                  <a:pt x="794873" y="490290"/>
-                  <a:pt x="808984" y="476351"/>
-                  <a:pt x="822121" y="461572"/>
-                </a:cubicBezTo>
-                <a:cubicBezTo>
-                  <a:pt x="831410" y="451122"/>
-                  <a:pt x="836206" y="436541"/>
-                  <a:pt x="847288" y="428016"/>
-                </a:cubicBezTo>
-                <a:cubicBezTo>
-                  <a:pt x="873136" y="408133"/>
-                  <a:pt x="902010" y="392266"/>
-                  <a:pt x="931178" y="377682"/>
-                </a:cubicBezTo>
-                <a:cubicBezTo>
-                  <a:pt x="942363" y="372089"/>
-                  <a:pt x="954558" y="368173"/>
-                  <a:pt x="964734" y="360904"/>
-                </a:cubicBezTo>
-                <a:cubicBezTo>
-                  <a:pt x="974388" y="354008"/>
-                  <a:pt x="982306" y="344851"/>
-                  <a:pt x="989901" y="335737"/>
-                </a:cubicBezTo>
-                <a:cubicBezTo>
-                  <a:pt x="996356" y="327992"/>
-                  <a:pt x="998475" y="316430"/>
-                  <a:pt x="1006679" y="310570"/>
-                </a:cubicBezTo>
-                <a:cubicBezTo>
-                  <a:pt x="1018933" y="301817"/>
-                  <a:pt x="1035799" y="301684"/>
-                  <a:pt x="1048624" y="293792"/>
-                </a:cubicBezTo>
-                <a:cubicBezTo>
-                  <a:pt x="1139682" y="237756"/>
-                  <a:pt x="1089576" y="261088"/>
-                  <a:pt x="1149292" y="209902"/>
-                </a:cubicBezTo>
-                <a:cubicBezTo>
-                  <a:pt x="1176502" y="186579"/>
-                  <a:pt x="1180760" y="194168"/>
-                  <a:pt x="1216404" y="176346"/>
-                </a:cubicBezTo>
-                <a:cubicBezTo>
-                  <a:pt x="1274338" y="147379"/>
-                  <a:pt x="1205290" y="168638"/>
-                  <a:pt x="1275127" y="151179"/>
-                </a:cubicBezTo>
-                <a:cubicBezTo>
-                  <a:pt x="1357335" y="110074"/>
-                  <a:pt x="1292526" y="139513"/>
-                  <a:pt x="1375794" y="109234"/>
-                </a:cubicBezTo>
-                <a:cubicBezTo>
-                  <a:pt x="1389946" y="104088"/>
-                  <a:pt x="1403315" y="96783"/>
-                  <a:pt x="1417739" y="92456"/>
-                </a:cubicBezTo>
-                <a:cubicBezTo>
-                  <a:pt x="1431396" y="88359"/>
-                  <a:pt x="1445928" y="87819"/>
-                  <a:pt x="1459684" y="84067"/>
-                </a:cubicBezTo>
-                <a:cubicBezTo>
-                  <a:pt x="1476746" y="79414"/>
-                  <a:pt x="1493078" y="72371"/>
-                  <a:pt x="1510018" y="67289"/>
-                </a:cubicBezTo>
-                <a:cubicBezTo>
-                  <a:pt x="1554090" y="54067"/>
-                  <a:pt x="1531150" y="64607"/>
-                  <a:pt x="1568741" y="50511"/>
-                </a:cubicBezTo>
-                <a:cubicBezTo>
-                  <a:pt x="1582841" y="45224"/>
-                  <a:pt x="1595885" y="36508"/>
-                  <a:pt x="1610686" y="33733"/>
-                </a:cubicBezTo>
-                <a:cubicBezTo>
-                  <a:pt x="1641043" y="28041"/>
-                  <a:pt x="1672205" y="28140"/>
-                  <a:pt x="1702965" y="25344"/>
-                </a:cubicBezTo>
-                <a:cubicBezTo>
-                  <a:pt x="1714150" y="22548"/>
-                  <a:pt x="1725398" y="19989"/>
-                  <a:pt x="1736521" y="16955"/>
-                </a:cubicBezTo>
-                <a:cubicBezTo>
-                  <a:pt x="1756161" y="11599"/>
-                  <a:pt x="1774938" y="1627"/>
-                  <a:pt x="1795244" y="177"/>
-                </a:cubicBezTo>
-                <a:cubicBezTo>
-                  <a:pt x="1814967" y="-1232"/>
-                  <a:pt x="1834347" y="6113"/>
-                  <a:pt x="1853967" y="8566"/>
-                </a:cubicBezTo>
-                <a:cubicBezTo>
-                  <a:pt x="1856742" y="8913"/>
-                  <a:pt x="1859560" y="8566"/>
-                  <a:pt x="1862356" y="8566"/>
-                </a:cubicBezTo>
-              </a:path>
-            </a:pathLst>
-          </a:custGeom>
-          <a:ln/>
-        </p:spPr>
-        <p:style>
-          <a:lnRef idx="1">
-            <a:schemeClr val="accent1"/>
-          </a:lnRef>
-          <a:fillRef idx="0">
-            <a:schemeClr val="accent1"/>
-          </a:fillRef>
-          <a:effectRef idx="0">
-            <a:schemeClr val="accent1"/>
-          </a:effectRef>
-          <a:fontRef idx="minor">
-            <a:schemeClr val="tx1"/>
-          </a:fontRef>
-        </p:style>
-        <p:txBody>
-          <a:bodyPr rtlCol="0" anchor="ctr"/>
-          <a:lstStyle/>
-          <a:p>
-            <a:pPr algn="ctr"/>
-            <a:endParaRPr lang="hu-HU"/>
-          </a:p>
-        </p:txBody>
-      </p:sp>
-      <p:sp>
-        <p:nvSpPr>
           <p:cNvPr id="13" name="Szövegdoboz 12">
             <a:extLst>
               <a:ext uri="{FF2B5EF4-FFF2-40B4-BE49-F238E27FC236}">
@@ -7416,7 +6247,7 @@
         </p:nvSpPr>
         <p:spPr>
           <a:xfrm>
-            <a:off x="4404221" y="2365410"/>
+            <a:off x="4808292" y="3244334"/>
             <a:ext cx="260058" cy="369332"/>
           </a:xfrm>
           <a:prstGeom prst="rect">
@@ -7455,7 +6286,7 @@
         </p:nvSpPr>
         <p:spPr>
           <a:xfrm>
-            <a:off x="6336487" y="2365233"/>
+            <a:off x="6192823" y="3244334"/>
             <a:ext cx="260058" cy="369332"/>
           </a:xfrm>
           <a:prstGeom prst="rect">
@@ -7530,6 +6361,110 @@
               </a:rPr>
               <a:t>t</a:t>
             </a:r>
+          </a:p>
+        </p:txBody>
+      </p:sp>
+      <p:sp>
+        <p:nvSpPr>
+          <p:cNvPr id="2" name="Ív 1">
+            <a:extLst>
+              <a:ext uri="{FF2B5EF4-FFF2-40B4-BE49-F238E27FC236}">
+                <a16:creationId xmlns:a16="http://schemas.microsoft.com/office/drawing/2014/main" id="{63073398-B5D6-5D88-CF26-A64E6C12C258}"/>
+              </a:ext>
+            </a:extLst>
+          </p:cNvPr>
+          <p:cNvSpPr/>
+          <p:nvPr/>
+        </p:nvSpPr>
+        <p:spPr>
+          <a:xfrm>
+            <a:off x="4309321" y="3380763"/>
+            <a:ext cx="2642529" cy="3842157"/>
+          </a:xfrm>
+          <a:prstGeom prst="arc">
+            <a:avLst>
+              <a:gd name="adj1" fmla="val 16277613"/>
+              <a:gd name="adj2" fmla="val 0"/>
+            </a:avLst>
+          </a:prstGeom>
+          <a:ln>
+            <a:solidFill>
+              <a:srgbClr val="002060"/>
+            </a:solidFill>
+          </a:ln>
+        </p:spPr>
+        <p:style>
+          <a:lnRef idx="2">
+            <a:schemeClr val="accent1"/>
+          </a:lnRef>
+          <a:fillRef idx="0">
+            <a:schemeClr val="accent1"/>
+          </a:fillRef>
+          <a:effectRef idx="1">
+            <a:schemeClr val="accent1"/>
+          </a:effectRef>
+          <a:fontRef idx="minor">
+            <a:schemeClr val="tx1"/>
+          </a:fontRef>
+        </p:style>
+        <p:txBody>
+          <a:bodyPr rtlCol="0" anchor="ctr"/>
+          <a:lstStyle/>
+          <a:p>
+            <a:pPr algn="ctr"/>
+            <a:endParaRPr lang="hu-HU"/>
+          </a:p>
+        </p:txBody>
+      </p:sp>
+      <p:sp>
+        <p:nvSpPr>
+          <p:cNvPr id="3" name="Ív 2">
+            <a:extLst>
+              <a:ext uri="{FF2B5EF4-FFF2-40B4-BE49-F238E27FC236}">
+                <a16:creationId xmlns:a16="http://schemas.microsoft.com/office/drawing/2014/main" id="{EF5E6FF7-E946-5C29-9BB0-D8E3FD5B6053}"/>
+              </a:ext>
+            </a:extLst>
+          </p:cNvPr>
+          <p:cNvSpPr/>
+          <p:nvPr/>
+        </p:nvSpPr>
+        <p:spPr>
+          <a:xfrm flipH="1">
+            <a:off x="4404221" y="3380586"/>
+            <a:ext cx="2642529" cy="3842157"/>
+          </a:xfrm>
+          <a:prstGeom prst="arc">
+            <a:avLst>
+              <a:gd name="adj1" fmla="val 16277613"/>
+              <a:gd name="adj2" fmla="val 0"/>
+            </a:avLst>
+          </a:prstGeom>
+          <a:ln>
+            <a:solidFill>
+              <a:srgbClr val="FF0000"/>
+            </a:solidFill>
+          </a:ln>
+        </p:spPr>
+        <p:style>
+          <a:lnRef idx="2">
+            <a:schemeClr val="accent1"/>
+          </a:lnRef>
+          <a:fillRef idx="0">
+            <a:schemeClr val="accent1"/>
+          </a:fillRef>
+          <a:effectRef idx="1">
+            <a:schemeClr val="accent1"/>
+          </a:effectRef>
+          <a:fontRef idx="minor">
+            <a:schemeClr val="tx1"/>
+          </a:fontRef>
+        </p:style>
+        <p:txBody>
+          <a:bodyPr rtlCol="0" anchor="ctr"/>
+          <a:lstStyle/>
+          <a:p>
+            <a:pPr algn="ctr"/>
+            <a:endParaRPr lang="hu-HU"/>
           </a:p>
         </p:txBody>
       </p:sp>
